--- a/docs/ReleaseV1_0_0.pptx
+++ b/docs/ReleaseV1_0_0.pptx
@@ -9,8 +9,9 @@
     <p:sldId id="264" r:id="rId3"/>
     <p:sldId id="258" r:id="rId4"/>
     <p:sldId id="265" r:id="rId5"/>
-    <p:sldId id="266" r:id="rId6"/>
-    <p:sldId id="267" r:id="rId7"/>
+    <p:sldId id="268" r:id="rId6"/>
+    <p:sldId id="266" r:id="rId7"/>
+    <p:sldId id="267" r:id="rId8"/>
   </p:sldIdLst>
   <p:sldSz cx="12192000" cy="6858000"/>
   <p:notesSz cx="6858000" cy="9144000"/>
@@ -120,7 +121,7 @@
 <file path=ppt/revisionInfo.xml><?xml version="1.0" encoding="utf-8"?>
 <p1510:revInfo xmlns:a="http://schemas.openxmlformats.org/drawingml/2006/main" xmlns:r="http://schemas.openxmlformats.org/officeDocument/2006/relationships" xmlns:p1510="http://schemas.microsoft.com/office/powerpoint/2015/10/main">
   <p1510:revLst>
-    <p1510:client id="{17DF6B2A-59CE-4467-81B8-B51C16C9AD10}" v="69" dt="2025-06-09T20:43:25.723"/>
+    <p1510:client id="{17DF6B2A-59CE-4467-81B8-B51C16C9AD10}" v="73" dt="2025-06-11T18:37:56.544"/>
   </p1510:revLst>
 </p1510:revInfo>
 </file>
@@ -130,7 +131,7 @@
   <pc:docChgLst>
     <pc:chgData name="Carina Moßbauer" userId="9b8c5ff1bd05b72c" providerId="LiveId" clId="{17DF6B2A-59CE-4467-81B8-B51C16C9AD10}"/>
     <pc:docChg chg="undo redo custSel addSld delSld modSld sldOrd">
-      <pc:chgData name="Carina Moßbauer" userId="9b8c5ff1bd05b72c" providerId="LiveId" clId="{17DF6B2A-59CE-4467-81B8-B51C16C9AD10}" dt="2025-06-09T20:45:47.116" v="2036" actId="20577"/>
+      <pc:chgData name="Carina Moßbauer" userId="9b8c5ff1bd05b72c" providerId="LiveId" clId="{17DF6B2A-59CE-4467-81B8-B51C16C9AD10}" dt="2025-06-11T19:30:59.349" v="2365" actId="113"/>
       <pc:docMkLst>
         <pc:docMk/>
       </pc:docMkLst>
@@ -146,14 +147,6 @@
             <pc:docMk/>
             <pc:sldMk cId="4025156572" sldId="256"/>
             <ac:spMk id="12" creationId="{8C25B026-BAC8-3A08-F3B8-982136D9E01B}"/>
-          </ac:spMkLst>
-        </pc:spChg>
-        <pc:spChg chg="add mod">
-          <ac:chgData name="Carina Moßbauer" userId="9b8c5ff1bd05b72c" providerId="LiveId" clId="{17DF6B2A-59CE-4467-81B8-B51C16C9AD10}" dt="2025-06-08T17:26:47.394" v="921" actId="767"/>
-          <ac:spMkLst>
-            <pc:docMk/>
-            <pc:sldMk cId="4025156572" sldId="256"/>
-            <ac:spMk id="41" creationId="{CB635199-24EF-DFBD-3B10-B6724FA8D497}"/>
           </ac:spMkLst>
         </pc:spChg>
         <pc:picChg chg="mod">
@@ -179,49 +172,9 @@
           <pc:docMk/>
           <pc:sldMk cId="3215671080" sldId="257"/>
         </pc:sldMkLst>
-        <pc:spChg chg="mod">
-          <ac:chgData name="Carina Moßbauer" userId="9b8c5ff1bd05b72c" providerId="LiveId" clId="{17DF6B2A-59CE-4467-81B8-B51C16C9AD10}" dt="2025-06-08T12:00:28.501" v="77" actId="1038"/>
-          <ac:spMkLst>
-            <pc:docMk/>
-            <pc:sldMk cId="3215671080" sldId="257"/>
-            <ac:spMk id="2" creationId="{40C8C57C-5C3B-0B18-35D0-75437A125F6F}"/>
-          </ac:spMkLst>
-        </pc:spChg>
-        <pc:spChg chg="mod">
-          <ac:chgData name="Carina Moßbauer" userId="9b8c5ff1bd05b72c" providerId="LiveId" clId="{17DF6B2A-59CE-4467-81B8-B51C16C9AD10}" dt="2025-06-08T12:00:28.501" v="77" actId="1038"/>
-          <ac:spMkLst>
-            <pc:docMk/>
-            <pc:sldMk cId="3215671080" sldId="257"/>
-            <ac:spMk id="3" creationId="{C0EECFEF-13B1-BC5E-67C8-44981DEF3208}"/>
-          </ac:spMkLst>
-        </pc:spChg>
-        <pc:spChg chg="add mod">
-          <ac:chgData name="Carina Moßbauer" userId="9b8c5ff1bd05b72c" providerId="LiveId" clId="{17DF6B2A-59CE-4467-81B8-B51C16C9AD10}" dt="2025-06-08T12:00:14.578" v="23" actId="1076"/>
-          <ac:spMkLst>
-            <pc:docMk/>
-            <pc:sldMk cId="3215671080" sldId="257"/>
-            <ac:spMk id="4" creationId="{50004F6F-0976-8EB4-56E3-CF9C29A36771}"/>
-          </ac:spMkLst>
-        </pc:spChg>
-        <pc:spChg chg="add mod">
-          <ac:chgData name="Carina Moßbauer" userId="9b8c5ff1bd05b72c" providerId="LiveId" clId="{17DF6B2A-59CE-4467-81B8-B51C16C9AD10}" dt="2025-06-08T12:01:30.333" v="95" actId="1076"/>
-          <ac:spMkLst>
-            <pc:docMk/>
-            <pc:sldMk cId="3215671080" sldId="257"/>
-            <ac:spMk id="6" creationId="{E36146F9-AB70-82C4-40CC-DD5ECD75AC77}"/>
-          </ac:spMkLst>
-        </pc:spChg>
-        <pc:picChg chg="add mod">
-          <ac:chgData name="Carina Moßbauer" userId="9b8c5ff1bd05b72c" providerId="LiveId" clId="{17DF6B2A-59CE-4467-81B8-B51C16C9AD10}" dt="2025-06-08T12:02:02.525" v="97" actId="1076"/>
-          <ac:picMkLst>
-            <pc:docMk/>
-            <pc:sldMk cId="3215671080" sldId="257"/>
-            <ac:picMk id="5" creationId="{E409E537-AFBA-CB92-26C7-E2372E3D283E}"/>
-          </ac:picMkLst>
-        </pc:picChg>
       </pc:sldChg>
       <pc:sldChg chg="addSp modSp mod">
-        <pc:chgData name="Carina Moßbauer" userId="9b8c5ff1bd05b72c" providerId="LiveId" clId="{17DF6B2A-59CE-4467-81B8-B51C16C9AD10}" dt="2025-06-09T20:45:47.116" v="2036" actId="20577"/>
+        <pc:chgData name="Carina Moßbauer" userId="9b8c5ff1bd05b72c" providerId="LiveId" clId="{17DF6B2A-59CE-4467-81B8-B51C16C9AD10}" dt="2025-06-11T19:30:59.349" v="2365" actId="113"/>
         <pc:sldMkLst>
           <pc:docMk/>
           <pc:sldMk cId="909319463" sldId="258"/>
@@ -235,7 +188,7 @@
           </ac:spMkLst>
         </pc:spChg>
         <pc:spChg chg="mod">
-          <ac:chgData name="Carina Moßbauer" userId="9b8c5ff1bd05b72c" providerId="LiveId" clId="{17DF6B2A-59CE-4467-81B8-B51C16C9AD10}" dt="2025-06-09T20:45:47.116" v="2036" actId="20577"/>
+          <ac:chgData name="Carina Moßbauer" userId="9b8c5ff1bd05b72c" providerId="LiveId" clId="{17DF6B2A-59CE-4467-81B8-B51C16C9AD10}" dt="2025-06-11T19:30:59.349" v="2365" actId="113"/>
           <ac:spMkLst>
             <pc:docMk/>
             <pc:sldMk cId="909319463" sldId="258"/>
@@ -288,14 +241,6 @@
           <pc:docMk/>
           <pc:sldMk cId="2384797981" sldId="260"/>
         </pc:sldMkLst>
-        <pc:graphicFrameChg chg="add del modGraphic">
-          <ac:chgData name="Carina Moßbauer" userId="9b8c5ff1bd05b72c" providerId="LiveId" clId="{17DF6B2A-59CE-4467-81B8-B51C16C9AD10}" dt="2025-06-08T12:22:43.125" v="273" actId="478"/>
-          <ac:graphicFrameMkLst>
-            <pc:docMk/>
-            <pc:sldMk cId="2384797981" sldId="260"/>
-            <ac:graphicFrameMk id="5" creationId="{5BD3D217-076A-B867-80DF-41A948856B2A}"/>
-          </ac:graphicFrameMkLst>
-        </pc:graphicFrameChg>
       </pc:sldChg>
       <pc:sldChg chg="del">
         <pc:chgData name="Carina Moßbauer" userId="9b8c5ff1bd05b72c" providerId="LiveId" clId="{17DF6B2A-59CE-4467-81B8-B51C16C9AD10}" dt="2025-06-08T12:23:11.870" v="297" actId="47"/>
@@ -310,62 +255,6 @@
           <pc:docMk/>
           <pc:sldMk cId="3634950148" sldId="262"/>
         </pc:sldMkLst>
-        <pc:spChg chg="mod">
-          <ac:chgData name="Carina Moßbauer" userId="9b8c5ff1bd05b72c" providerId="LiveId" clId="{17DF6B2A-59CE-4467-81B8-B51C16C9AD10}" dt="2025-06-08T12:07:18.208" v="121" actId="1076"/>
-          <ac:spMkLst>
-            <pc:docMk/>
-            <pc:sldMk cId="3634950148" sldId="262"/>
-            <ac:spMk id="2" creationId="{2C753854-3D61-5DE2-CEDC-D9730E93F266}"/>
-          </ac:spMkLst>
-        </pc:spChg>
-        <pc:spChg chg="mod">
-          <ac:chgData name="Carina Moßbauer" userId="9b8c5ff1bd05b72c" providerId="LiveId" clId="{17DF6B2A-59CE-4467-81B8-B51C16C9AD10}" dt="2025-06-08T12:13:45.684" v="146" actId="1076"/>
-          <ac:spMkLst>
-            <pc:docMk/>
-            <pc:sldMk cId="3634950148" sldId="262"/>
-            <ac:spMk id="3" creationId="{C4B26DA8-C3BE-F089-F286-A01A0AACD226}"/>
-          </ac:spMkLst>
-        </pc:spChg>
-        <pc:spChg chg="add mod">
-          <ac:chgData name="Carina Moßbauer" userId="9b8c5ff1bd05b72c" providerId="LiveId" clId="{17DF6B2A-59CE-4467-81B8-B51C16C9AD10}" dt="2025-06-08T12:15:51.598" v="155" actId="207"/>
-          <ac:spMkLst>
-            <pc:docMk/>
-            <pc:sldMk cId="3634950148" sldId="262"/>
-            <ac:spMk id="8" creationId="{2AC4539F-EF94-09F0-9655-3383A6BDF46B}"/>
-          </ac:spMkLst>
-        </pc:spChg>
-        <pc:picChg chg="add del mod">
-          <ac:chgData name="Carina Moßbauer" userId="9b8c5ff1bd05b72c" providerId="LiveId" clId="{17DF6B2A-59CE-4467-81B8-B51C16C9AD10}" dt="2025-06-08T12:03:20.399" v="100" actId="21"/>
-          <ac:picMkLst>
-            <pc:docMk/>
-            <pc:sldMk cId="3634950148" sldId="262"/>
-            <ac:picMk id="6" creationId="{70F548DB-CCA3-8288-39E9-4FF44E3191C6}"/>
-          </ac:picMkLst>
-        </pc:picChg>
-        <pc:picChg chg="add del mod">
-          <ac:chgData name="Carina Moßbauer" userId="9b8c5ff1bd05b72c" providerId="LiveId" clId="{17DF6B2A-59CE-4467-81B8-B51C16C9AD10}" dt="2025-06-08T12:03:20.399" v="100" actId="21"/>
-          <ac:picMkLst>
-            <pc:docMk/>
-            <pc:sldMk cId="3634950148" sldId="262"/>
-            <ac:picMk id="7" creationId="{D655A3F3-04F3-FFAB-8AD9-36A84E089749}"/>
-          </ac:picMkLst>
-        </pc:picChg>
-        <pc:picChg chg="add del mod">
-          <ac:chgData name="Carina Moßbauer" userId="9b8c5ff1bd05b72c" providerId="LiveId" clId="{17DF6B2A-59CE-4467-81B8-B51C16C9AD10}" dt="2025-06-08T12:06:54.292" v="111" actId="478"/>
-          <ac:picMkLst>
-            <pc:docMk/>
-            <pc:sldMk cId="3634950148" sldId="262"/>
-            <ac:picMk id="9" creationId="{70F548DB-CCA3-8288-39E9-4FF44E3191C6}"/>
-          </ac:picMkLst>
-        </pc:picChg>
-        <pc:picChg chg="add del mod">
-          <ac:chgData name="Carina Moßbauer" userId="9b8c5ff1bd05b72c" providerId="LiveId" clId="{17DF6B2A-59CE-4467-81B8-B51C16C9AD10}" dt="2025-06-08T12:06:54.292" v="111" actId="478"/>
-          <ac:picMkLst>
-            <pc:docMk/>
-            <pc:sldMk cId="3634950148" sldId="262"/>
-            <ac:picMk id="10" creationId="{D655A3F3-04F3-FFAB-8AD9-36A84E089749}"/>
-          </ac:picMkLst>
-        </pc:picChg>
       </pc:sldChg>
       <pc:sldChg chg="modSp add del mod ord">
         <pc:chgData name="Carina Moßbauer" userId="9b8c5ff1bd05b72c" providerId="LiveId" clId="{17DF6B2A-59CE-4467-81B8-B51C16C9AD10}" dt="2025-06-08T12:24:44.939" v="329" actId="47"/>
@@ -373,17 +262,9 @@
           <pc:docMk/>
           <pc:sldMk cId="574034481" sldId="263"/>
         </pc:sldMkLst>
-        <pc:spChg chg="mod">
-          <ac:chgData name="Carina Moßbauer" userId="9b8c5ff1bd05b72c" providerId="LiveId" clId="{17DF6B2A-59CE-4467-81B8-B51C16C9AD10}" dt="2025-06-08T12:23:40.558" v="320" actId="20577"/>
-          <ac:spMkLst>
-            <pc:docMk/>
-            <pc:sldMk cId="574034481" sldId="263"/>
-            <ac:spMk id="2" creationId="{E9060A36-A3E1-3B15-353A-120028F6D99D}"/>
-          </ac:spMkLst>
-        </pc:spChg>
       </pc:sldChg>
       <pc:sldChg chg="modSp add mod ord">
-        <pc:chgData name="Carina Moßbauer" userId="9b8c5ff1bd05b72c" providerId="LiveId" clId="{17DF6B2A-59CE-4467-81B8-B51C16C9AD10}" dt="2025-06-09T20:43:16.660" v="2004" actId="20577"/>
+        <pc:chgData name="Carina Moßbauer" userId="9b8c5ff1bd05b72c" providerId="LiveId" clId="{17DF6B2A-59CE-4467-81B8-B51C16C9AD10}" dt="2025-06-11T18:40:13.349" v="2312" actId="20577"/>
         <pc:sldMkLst>
           <pc:docMk/>
           <pc:sldMk cId="573474755" sldId="264"/>
@@ -397,7 +278,7 @@
           </ac:spMkLst>
         </pc:spChg>
         <pc:spChg chg="mod">
-          <ac:chgData name="Carina Moßbauer" userId="9b8c5ff1bd05b72c" providerId="LiveId" clId="{17DF6B2A-59CE-4467-81B8-B51C16C9AD10}" dt="2025-06-09T20:43:16.660" v="2004" actId="20577"/>
+          <ac:chgData name="Carina Moßbauer" userId="9b8c5ff1bd05b72c" providerId="LiveId" clId="{17DF6B2A-59CE-4467-81B8-B51C16C9AD10}" dt="2025-06-11T18:40:13.349" v="2312" actId="20577"/>
           <ac:spMkLst>
             <pc:docMk/>
             <pc:sldMk cId="573474755" sldId="264"/>
@@ -406,7 +287,7 @@
         </pc:spChg>
       </pc:sldChg>
       <pc:sldChg chg="modSp add mod">
-        <pc:chgData name="Carina Moßbauer" userId="9b8c5ff1bd05b72c" providerId="LiveId" clId="{17DF6B2A-59CE-4467-81B8-B51C16C9AD10}" dt="2025-06-09T20:36:09.781" v="1973" actId="20577"/>
+        <pc:chgData name="Carina Moßbauer" userId="9b8c5ff1bd05b72c" providerId="LiveId" clId="{17DF6B2A-59CE-4467-81B8-B51C16C9AD10}" dt="2025-06-11T19:30:39.326" v="2364" actId="20577"/>
         <pc:sldMkLst>
           <pc:docMk/>
           <pc:sldMk cId="2876198862" sldId="265"/>
@@ -420,7 +301,7 @@
           </ac:spMkLst>
         </pc:spChg>
         <pc:spChg chg="mod">
-          <ac:chgData name="Carina Moßbauer" userId="9b8c5ff1bd05b72c" providerId="LiveId" clId="{17DF6B2A-59CE-4467-81B8-B51C16C9AD10}" dt="2025-06-09T20:36:09.781" v="1973" actId="20577"/>
+          <ac:chgData name="Carina Moßbauer" userId="9b8c5ff1bd05b72c" providerId="LiveId" clId="{17DF6B2A-59CE-4467-81B8-B51C16C9AD10}" dt="2025-06-11T19:30:39.326" v="2364" actId="20577"/>
           <ac:spMkLst>
             <pc:docMk/>
             <pc:sldMk cId="2876198862" sldId="265"/>
@@ -474,6 +355,28 @@
           </ac:spMkLst>
         </pc:spChg>
       </pc:sldChg>
+      <pc:sldChg chg="modSp add del mod">
+        <pc:chgData name="Carina Moßbauer" userId="9b8c5ff1bd05b72c" providerId="LiveId" clId="{17DF6B2A-59CE-4467-81B8-B51C16C9AD10}" dt="2025-06-11T18:50:50.629" v="2316" actId="2696"/>
+        <pc:sldMkLst>
+          <pc:docMk/>
+          <pc:sldMk cId="492789516" sldId="268"/>
+        </pc:sldMkLst>
+        <pc:spChg chg="mod">
+          <ac:chgData name="Carina Moßbauer" userId="9b8c5ff1bd05b72c" providerId="LiveId" clId="{17DF6B2A-59CE-4467-81B8-B51C16C9AD10}" dt="2025-06-11T18:44:27.048" v="2315" actId="6549"/>
+          <ac:spMkLst>
+            <pc:docMk/>
+            <pc:sldMk cId="492789516" sldId="268"/>
+            <ac:spMk id="3" creationId="{F040A3B0-013F-9C9A-EC66-FBE837C1E3C6}"/>
+          </ac:spMkLst>
+        </pc:spChg>
+      </pc:sldChg>
+      <pc:sldChg chg="add ord">
+        <pc:chgData name="Carina Moßbauer" userId="9b8c5ff1bd05b72c" providerId="LiveId" clId="{17DF6B2A-59CE-4467-81B8-B51C16C9AD10}" dt="2025-06-11T19:22:12.070" v="2344"/>
+        <pc:sldMkLst>
+          <pc:docMk/>
+          <pc:sldMk cId="2831503063" sldId="268"/>
+        </pc:sldMkLst>
+      </pc:sldChg>
     </pc:docChg>
   </pc:docChgLst>
 </pc:chgInfo>
@@ -628,7 +531,7 @@
           <a:p>
             <a:fld id="{34874171-C799-433B-A5CB-12CAE198F917}" type="datetimeFigureOut">
               <a:rPr lang="de-AT" smtClean="0"/>
-              <a:t>09.06.2025</a:t>
+              <a:t>11.06.2025</a:t>
             </a:fld>
             <a:endParaRPr lang="de-AT"/>
           </a:p>
@@ -828,7 +731,7 @@
           <a:p>
             <a:fld id="{34874171-C799-433B-A5CB-12CAE198F917}" type="datetimeFigureOut">
               <a:rPr lang="de-AT" smtClean="0"/>
-              <a:t>09.06.2025</a:t>
+              <a:t>11.06.2025</a:t>
             </a:fld>
             <a:endParaRPr lang="de-AT"/>
           </a:p>
@@ -1038,7 +941,7 @@
           <a:p>
             <a:fld id="{34874171-C799-433B-A5CB-12CAE198F917}" type="datetimeFigureOut">
               <a:rPr lang="de-AT" smtClean="0"/>
-              <a:t>09.06.2025</a:t>
+              <a:t>11.06.2025</a:t>
             </a:fld>
             <a:endParaRPr lang="de-AT"/>
           </a:p>
@@ -1238,7 +1141,7 @@
           <a:p>
             <a:fld id="{34874171-C799-433B-A5CB-12CAE198F917}" type="datetimeFigureOut">
               <a:rPr lang="de-AT" smtClean="0"/>
-              <a:t>09.06.2025</a:t>
+              <a:t>11.06.2025</a:t>
             </a:fld>
             <a:endParaRPr lang="de-AT"/>
           </a:p>
@@ -1514,7 +1417,7 @@
           <a:p>
             <a:fld id="{34874171-C799-433B-A5CB-12CAE198F917}" type="datetimeFigureOut">
               <a:rPr lang="de-AT" smtClean="0"/>
-              <a:t>09.06.2025</a:t>
+              <a:t>11.06.2025</a:t>
             </a:fld>
             <a:endParaRPr lang="de-AT"/>
           </a:p>
@@ -1782,7 +1685,7 @@
           <a:p>
             <a:fld id="{34874171-C799-433B-A5CB-12CAE198F917}" type="datetimeFigureOut">
               <a:rPr lang="de-AT" smtClean="0"/>
-              <a:t>09.06.2025</a:t>
+              <a:t>11.06.2025</a:t>
             </a:fld>
             <a:endParaRPr lang="de-AT"/>
           </a:p>
@@ -2197,7 +2100,7 @@
           <a:p>
             <a:fld id="{34874171-C799-433B-A5CB-12CAE198F917}" type="datetimeFigureOut">
               <a:rPr lang="de-AT" smtClean="0"/>
-              <a:t>09.06.2025</a:t>
+              <a:t>11.06.2025</a:t>
             </a:fld>
             <a:endParaRPr lang="de-AT"/>
           </a:p>
@@ -2339,7 +2242,7 @@
           <a:p>
             <a:fld id="{34874171-C799-433B-A5CB-12CAE198F917}" type="datetimeFigureOut">
               <a:rPr lang="de-AT" smtClean="0"/>
-              <a:t>09.06.2025</a:t>
+              <a:t>11.06.2025</a:t>
             </a:fld>
             <a:endParaRPr lang="de-AT"/>
           </a:p>
@@ -2452,7 +2355,7 @@
           <a:p>
             <a:fld id="{34874171-C799-433B-A5CB-12CAE198F917}" type="datetimeFigureOut">
               <a:rPr lang="de-AT" smtClean="0"/>
-              <a:t>09.06.2025</a:t>
+              <a:t>11.06.2025</a:t>
             </a:fld>
             <a:endParaRPr lang="de-AT"/>
           </a:p>
@@ -2765,7 +2668,7 @@
           <a:p>
             <a:fld id="{34874171-C799-433B-A5CB-12CAE198F917}" type="datetimeFigureOut">
               <a:rPr lang="de-AT" smtClean="0"/>
-              <a:t>09.06.2025</a:t>
+              <a:t>11.06.2025</a:t>
             </a:fld>
             <a:endParaRPr lang="de-AT"/>
           </a:p>
@@ -3054,7 +2957,7 @@
           <a:p>
             <a:fld id="{34874171-C799-433B-A5CB-12CAE198F917}" type="datetimeFigureOut">
               <a:rPr lang="de-AT" smtClean="0"/>
-              <a:t>09.06.2025</a:t>
+              <a:t>11.06.2025</a:t>
             </a:fld>
             <a:endParaRPr lang="de-AT"/>
           </a:p>
@@ -3297,7 +3200,7 @@
           <a:p>
             <a:fld id="{34874171-C799-433B-A5CB-12CAE198F917}" type="datetimeFigureOut">
               <a:rPr lang="de-AT" smtClean="0"/>
-              <a:t>09.06.2025</a:t>
+              <a:t>11.06.2025</a:t>
             </a:fld>
             <a:endParaRPr lang="de-AT"/>
           </a:p>
@@ -4037,7 +3940,7 @@
         </p:spPr>
         <p:txBody>
           <a:bodyPr>
-            <a:normAutofit lnSpcReduction="10000"/>
+            <a:normAutofit fontScale="92500" lnSpcReduction="10000"/>
           </a:bodyPr>
           <a:lstStyle/>
           <a:p>
@@ -4063,14 +3966,14 @@
             <a:pPr lvl="1"/>
             <a:r>
               <a:rPr lang="de-AT" dirty="0"/>
-              <a:t>Mitarbeiter: Einreichen von Rechnungen</a:t>
+              <a:t>Mitarbeiter: Einfaches Einreichen von Rechnungen</a:t>
             </a:r>
           </a:p>
           <a:p>
             <a:pPr lvl="1"/>
             <a:r>
               <a:rPr lang="de-AT" dirty="0"/>
-              <a:t>Administratoren: Verwaltung, Übersicht und Export der Daten</a:t>
+              <a:t>Administratoren: übersichtliche Verwaltung, Prüfung und Export</a:t>
             </a:r>
           </a:p>
           <a:p>
@@ -4090,7 +3993,15 @@
             <a:pPr lvl="1"/>
             <a:r>
               <a:rPr lang="de-AT" dirty="0"/>
-              <a:t>PostgreSQL-Datenbank (über Supabase)</a:t>
+              <a:t>PostgreSQL-Datenbank (über </a:t>
+            </a:r>
+            <a:r>
+              <a:rPr lang="de-AT" dirty="0" err="1"/>
+              <a:t>Supabase</a:t>
+            </a:r>
+            <a:r>
+              <a:rPr lang="de-AT" dirty="0"/>
+              <a:t>)</a:t>
             </a:r>
           </a:p>
           <a:p>
@@ -4370,7 +4281,9 @@
           </a:xfrm>
         </p:spPr>
         <p:txBody>
-          <a:bodyPr/>
+          <a:bodyPr>
+            <a:normAutofit/>
+          </a:bodyPr>
           <a:lstStyle/>
           <a:p>
             <a:r>
@@ -4403,19 +4316,23 @@
           <a:p>
             <a:r>
               <a:rPr lang="de-AT" b="1" dirty="0"/>
+              <a:t>Effizienter Freigabeworkflow</a:t>
+            </a:r>
+          </a:p>
+          <a:p>
+            <a:r>
+              <a:rPr lang="de-AT" b="1" dirty="0"/>
               <a:t>Anomalie-Erkennung</a:t>
             </a:r>
           </a:p>
           <a:p>
             <a:r>
               <a:rPr lang="de-AT" b="1" dirty="0"/>
-              <a:t>Effizienter Freigabeworkflow</a:t>
-            </a:r>
-          </a:p>
-          <a:p>
+              <a:t>Strukturierter Export </a:t>
+            </a:r>
             <a:r>
               <a:rPr lang="de-AT" dirty="0"/>
-              <a:t>Strukturierter Export für Gehaltsabrechnung</a:t>
+              <a:t>für Gehaltsabrechnung</a:t>
             </a:r>
           </a:p>
           <a:p>
@@ -4704,7 +4621,7 @@
           <a:p>
             <a:r>
               <a:rPr lang="de-AT" dirty="0"/>
-              <a:t>User -&gt; Kerim</a:t>
+              <a:t>User (Kerim)</a:t>
             </a:r>
           </a:p>
           <a:p>
@@ -4724,14 +4641,7 @@
           <a:p>
             <a:r>
               <a:rPr lang="de-AT" dirty="0"/>
-              <a:t>Admin -&gt; Martin</a:t>
-            </a:r>
-          </a:p>
-          <a:p>
-            <a:pPr lvl="1"/>
-            <a:r>
-              <a:rPr lang="de-AT" dirty="0"/>
-              <a:t>Einfache Benutzerverwaltung</a:t>
+              <a:t>Admin (Martin)</a:t>
             </a:r>
           </a:p>
           <a:p>
@@ -4753,6 +4663,13 @@
             <a:r>
               <a:rPr lang="de-AT" dirty="0"/>
               <a:t>Auswertungen</a:t>
+            </a:r>
+          </a:p>
+          <a:p>
+            <a:pPr lvl="1"/>
+            <a:r>
+              <a:rPr lang="de-AT" dirty="0"/>
+              <a:t>Benutzerdokumentation</a:t>
             </a:r>
           </a:p>
         </p:txBody>
@@ -4934,6 +4851,272 @@
 </file>
 
 <file path=ppt/slides/slide5.xml><?xml version="1.0" encoding="utf-8"?>
+<p:sld xmlns:a="http://schemas.openxmlformats.org/drawingml/2006/main" xmlns:r="http://schemas.openxmlformats.org/officeDocument/2006/relationships" xmlns:p="http://schemas.openxmlformats.org/presentationml/2006/main">
+  <p:cSld>
+    <p:spTree>
+      <p:nvGrpSpPr>
+        <p:cNvPr id="1" name="">
+          <a:extLst>
+            <a:ext uri="{FF2B5EF4-FFF2-40B4-BE49-F238E27FC236}">
+              <a16:creationId xmlns:a16="http://schemas.microsoft.com/office/drawing/2014/main" id="{2AB1A08F-2E56-0152-F281-85EFF9EACFFE}"/>
+            </a:ext>
+          </a:extLst>
+        </p:cNvPr>
+        <p:cNvGrpSpPr/>
+        <p:nvPr/>
+      </p:nvGrpSpPr>
+      <p:grpSpPr>
+        <a:xfrm>
+          <a:off x="0" y="0"/>
+          <a:ext cx="0" cy="0"/>
+          <a:chOff x="0" y="0"/>
+          <a:chExt cx="0" cy="0"/>
+        </a:xfrm>
+      </p:grpSpPr>
+      <p:pic>
+        <p:nvPicPr>
+          <p:cNvPr id="40" name="Grafik 39">
+            <a:extLst>
+              <a:ext uri="{FF2B5EF4-FFF2-40B4-BE49-F238E27FC236}">
+                <a16:creationId xmlns:a16="http://schemas.microsoft.com/office/drawing/2014/main" id="{02FCB11D-F4EE-9D1A-173C-D58C0664E82E}"/>
+              </a:ext>
+            </a:extLst>
+          </p:cNvPr>
+          <p:cNvPicPr>
+            <a:picLocks noChangeAspect="1"/>
+          </p:cNvPicPr>
+          <p:nvPr/>
+        </p:nvPicPr>
+        <p:blipFill>
+          <a:blip r:embed="rId2">
+            <a:alphaModFix amt="70000"/>
+          </a:blip>
+          <a:srcRect t="3904" b="17694"/>
+          <a:stretch>
+            <a:fillRect/>
+          </a:stretch>
+        </p:blipFill>
+        <p:spPr>
+          <a:xfrm>
+            <a:off x="4432041" y="0"/>
+            <a:ext cx="7766491" cy="3449638"/>
+          </a:xfrm>
+          <a:prstGeom prst="rect">
+            <a:avLst/>
+          </a:prstGeom>
+        </p:spPr>
+      </p:pic>
+      <p:pic>
+        <p:nvPicPr>
+          <p:cNvPr id="8" name="Grafik 7">
+            <a:extLst>
+              <a:ext uri="{FF2B5EF4-FFF2-40B4-BE49-F238E27FC236}">
+                <a16:creationId xmlns:a16="http://schemas.microsoft.com/office/drawing/2014/main" id="{D6DBF659-5FF1-D2E5-02E3-F97C0182984A}"/>
+              </a:ext>
+            </a:extLst>
+          </p:cNvPr>
+          <p:cNvPicPr>
+            <a:picLocks noChangeAspect="1"/>
+          </p:cNvPicPr>
+          <p:nvPr/>
+        </p:nvPicPr>
+        <p:blipFill>
+          <a:blip r:embed="rId3">
+            <a:alphaModFix amt="70000"/>
+          </a:blip>
+          <a:stretch>
+            <a:fillRect/>
+          </a:stretch>
+        </p:blipFill>
+        <p:spPr>
+          <a:xfrm>
+            <a:off x="4422946" y="3475761"/>
+            <a:ext cx="7777742" cy="3382239"/>
+          </a:xfrm>
+          <a:prstGeom prst="rect">
+            <a:avLst/>
+          </a:prstGeom>
+          <a:ln w="12700">
+            <a:noFill/>
+          </a:ln>
+        </p:spPr>
+      </p:pic>
+      <p:sp>
+        <p:nvSpPr>
+          <p:cNvPr id="12" name="Ellipse 11">
+            <a:extLst>
+              <a:ext uri="{FF2B5EF4-FFF2-40B4-BE49-F238E27FC236}">
+                <a16:creationId xmlns:a16="http://schemas.microsoft.com/office/drawing/2014/main" id="{2A698003-19FC-E86C-D04D-F3D5EEF60BBF}"/>
+              </a:ext>
+            </a:extLst>
+          </p:cNvPr>
+          <p:cNvSpPr/>
+          <p:nvPr/>
+        </p:nvSpPr>
+        <p:spPr>
+          <a:xfrm rot="5400000">
+            <a:off x="-1828800" y="-704850"/>
+            <a:ext cx="8267700" cy="8267700"/>
+          </a:xfrm>
+          <a:prstGeom prst="ellipse">
+            <a:avLst/>
+          </a:prstGeom>
+          <a:solidFill>
+            <a:srgbClr val="9DDEC0"/>
+          </a:solidFill>
+          <a:ln>
+            <a:solidFill>
+              <a:schemeClr val="bg1"/>
+            </a:solidFill>
+          </a:ln>
+        </p:spPr>
+        <p:style>
+          <a:lnRef idx="2">
+            <a:schemeClr val="accent1">
+              <a:shade val="15000"/>
+            </a:schemeClr>
+          </a:lnRef>
+          <a:fillRef idx="1">
+            <a:schemeClr val="accent1"/>
+          </a:fillRef>
+          <a:effectRef idx="0">
+            <a:schemeClr val="accent1"/>
+          </a:effectRef>
+          <a:fontRef idx="minor">
+            <a:schemeClr val="lt1"/>
+          </a:fontRef>
+        </p:style>
+        <p:txBody>
+          <a:bodyPr rtlCol="0" anchor="ctr"/>
+          <a:lstStyle/>
+          <a:p>
+            <a:pPr algn="ctr"/>
+            <a:endParaRPr lang="de-AT" dirty="0">
+              <a:latin typeface="Arial Rounded MT Bold" panose="020F0704030504030204" pitchFamily="34" charset="0"/>
+            </a:endParaRPr>
+          </a:p>
+        </p:txBody>
+      </p:sp>
+      <p:sp>
+        <p:nvSpPr>
+          <p:cNvPr id="3" name="Untertitel 2">
+            <a:extLst>
+              <a:ext uri="{FF2B5EF4-FFF2-40B4-BE49-F238E27FC236}">
+                <a16:creationId xmlns:a16="http://schemas.microsoft.com/office/drawing/2014/main" id="{D63F7E87-856A-ACB7-4BC7-648546427E5A}"/>
+              </a:ext>
+            </a:extLst>
+          </p:cNvPr>
+          <p:cNvSpPr>
+            <a:spLocks noGrp="1"/>
+          </p:cNvSpPr>
+          <p:nvPr>
+            <p:ph type="subTitle" idx="1"/>
+          </p:nvPr>
+        </p:nvSpPr>
+        <p:spPr>
+          <a:xfrm>
+            <a:off x="1196169" y="2554358"/>
+            <a:ext cx="4914900" cy="1655762"/>
+          </a:xfrm>
+        </p:spPr>
+        <p:txBody>
+          <a:bodyPr>
+            <a:normAutofit fontScale="92500" lnSpcReduction="10000"/>
+          </a:bodyPr>
+          <a:lstStyle/>
+          <a:p>
+            <a:pPr algn="l"/>
+            <a:r>
+              <a:rPr lang="de-AT" sz="7800" dirty="0">
+                <a:solidFill>
+                  <a:srgbClr val="183748"/>
+                </a:solidFill>
+                <a:latin typeface="Arial Rounded MT Bold" panose="020F0704030504030204" pitchFamily="34" charset="0"/>
+              </a:rPr>
+              <a:t>Lunchify</a:t>
+            </a:r>
+            <a:endParaRPr lang="de-AT" dirty="0">
+              <a:solidFill>
+                <a:srgbClr val="183748"/>
+              </a:solidFill>
+              <a:latin typeface="Arial Rounded MT Bold" panose="020F0704030504030204" pitchFamily="34" charset="0"/>
+            </a:endParaRPr>
+          </a:p>
+          <a:p>
+            <a:r>
+              <a:rPr lang="de-DE" dirty="0"/>
+              <a:t>Digitale Lösung zur Rückvergütung von Essensausgaben </a:t>
+            </a:r>
+          </a:p>
+        </p:txBody>
+      </p:sp>
+      <p:pic>
+        <p:nvPicPr>
+          <p:cNvPr id="25" name="Grafik 24" descr="Ein Bild, das Grafiken, Grafikdesign, Logo, Text enthält.&#10;&#10;KI-generierte Inhalte können fehlerhaft sein.">
+            <a:extLst>
+              <a:ext uri="{FF2B5EF4-FFF2-40B4-BE49-F238E27FC236}">
+                <a16:creationId xmlns:a16="http://schemas.microsoft.com/office/drawing/2014/main" id="{3949E0C1-E723-C0F1-5497-0850C0331DAB}"/>
+              </a:ext>
+            </a:extLst>
+          </p:cNvPr>
+          <p:cNvPicPr>
+            <a:picLocks noChangeAspect="1"/>
+          </p:cNvPicPr>
+          <p:nvPr/>
+        </p:nvPicPr>
+        <p:blipFill>
+          <a:blip r:embed="rId4">
+            <a:extLst>
+              <a:ext uri="{BEBA8EAE-BF5A-486C-A8C5-ECC9F3942E4B}">
+                <a14:imgProps xmlns:a14="http://schemas.microsoft.com/office/drawing/2010/main">
+                  <a14:imgLayer r:embed="rId5">
+                    <a14:imgEffect>
+                      <a14:backgroundRemoval t="9046" b="89967" l="10000" r="90000">
+                        <a14:foregroundMark x1="51111" y1="9046" x2="51111" y2="9046"/>
+                      </a14:backgroundRemoval>
+                    </a14:imgEffect>
+                  </a14:imgLayer>
+                </a14:imgProps>
+              </a:ext>
+              <a:ext uri="{28A0092B-C50C-407E-A947-70E740481C1C}">
+                <a14:useLocalDpi xmlns:a14="http://schemas.microsoft.com/office/drawing/2010/main" val="0"/>
+              </a:ext>
+            </a:extLst>
+          </a:blip>
+          <a:srcRect l="25134" t="4713" r="22514" b="27606"/>
+          <a:stretch>
+            <a:fillRect/>
+          </a:stretch>
+        </p:blipFill>
+        <p:spPr>
+          <a:xfrm>
+            <a:off x="5194273" y="2484298"/>
+            <a:ext cx="1080712" cy="1048739"/>
+          </a:xfrm>
+          <a:prstGeom prst="rect">
+            <a:avLst/>
+          </a:prstGeom>
+          <a:noFill/>
+          <a:ln>
+            <a:noFill/>
+          </a:ln>
+          <a:effectLst/>
+        </p:spPr>
+      </p:pic>
+    </p:spTree>
+    <p:extLst>
+      <p:ext uri="{BB962C8B-B14F-4D97-AF65-F5344CB8AC3E}">
+        <p14:creationId xmlns:p14="http://schemas.microsoft.com/office/powerpoint/2010/main" val="2831503063"/>
+      </p:ext>
+    </p:extLst>
+  </p:cSld>
+  <p:clrMapOvr>
+    <a:masterClrMapping/>
+  </p:clrMapOvr>
+</p:sld>
+</file>
+
+<file path=ppt/slides/slide6.xml><?xml version="1.0" encoding="utf-8"?>
 <p:sld xmlns:a="http://schemas.openxmlformats.org/drawingml/2006/main" xmlns:r="http://schemas.openxmlformats.org/officeDocument/2006/relationships" xmlns:p="http://schemas.openxmlformats.org/presentationml/2006/main">
   <p:cSld>
     <p:spTree>
@@ -5234,7 +5417,7 @@
 </p:sld>
 </file>
 
-<file path=ppt/slides/slide6.xml><?xml version="1.0" encoding="utf-8"?>
+<file path=ppt/slides/slide7.xml><?xml version="1.0" encoding="utf-8"?>
 <p:sld xmlns:a="http://schemas.openxmlformats.org/drawingml/2006/main" xmlns:r="http://schemas.openxmlformats.org/officeDocument/2006/relationships" xmlns:p="http://schemas.openxmlformats.org/presentationml/2006/main">
   <p:cSld>
     <p:spTree>

--- a/docs/ReleaseV1_0_0.pptx
+++ b/docs/ReleaseV1_0_0.pptx
@@ -121,13 +121,37 @@
 <file path=ppt/revisionInfo.xml><?xml version="1.0" encoding="utf-8"?>
 <p1510:revInfo xmlns:a="http://schemas.openxmlformats.org/drawingml/2006/main" xmlns:r="http://schemas.openxmlformats.org/officeDocument/2006/relationships" xmlns:p1510="http://schemas.microsoft.com/office/powerpoint/2015/10/main">
   <p1510:revLst>
-    <p1510:client id="{17DF6B2A-59CE-4467-81B8-B51C16C9AD10}" v="73" dt="2025-06-11T18:37:56.544"/>
+    <p1510:client id="{6085932C-096F-4A25-95AE-A8E25561503A}" v="2" dt="2025-06-12T19:51:19.932"/>
   </p1510:revLst>
 </p1510:revInfo>
 </file>
 
 <file path=ppt/changesInfos/changesInfo1.xml><?xml version="1.0" encoding="utf-8"?>
 <pc:chgInfo xmlns:a="http://schemas.openxmlformats.org/drawingml/2006/main" xmlns:r="http://schemas.openxmlformats.org/officeDocument/2006/relationships" xmlns:ac="http://schemas.microsoft.com/office/drawing/2013/main/command" xmlns:pc="http://schemas.microsoft.com/office/powerpoint/2013/main/command">
+  <pc:docChgLst>
+    <pc:chgData name="Ljutic Kerim" userId="3399f650-dab7-4c51-bc22-3354e7c5d919" providerId="ADAL" clId="{6085932C-096F-4A25-95AE-A8E25561503A}"/>
+    <pc:docChg chg="custSel modSld">
+      <pc:chgData name="Ljutic Kerim" userId="3399f650-dab7-4c51-bc22-3354e7c5d919" providerId="ADAL" clId="{6085932C-096F-4A25-95AE-A8E25561503A}" dt="2025-06-12T19:51:37.719" v="7" actId="115"/>
+      <pc:docMkLst>
+        <pc:docMk/>
+      </pc:docMkLst>
+      <pc:sldChg chg="modSp mod">
+        <pc:chgData name="Ljutic Kerim" userId="3399f650-dab7-4c51-bc22-3354e7c5d919" providerId="ADAL" clId="{6085932C-096F-4A25-95AE-A8E25561503A}" dt="2025-06-12T19:51:37.719" v="7" actId="115"/>
+        <pc:sldMkLst>
+          <pc:docMk/>
+          <pc:sldMk cId="2876198862" sldId="265"/>
+        </pc:sldMkLst>
+        <pc:spChg chg="mod">
+          <ac:chgData name="Ljutic Kerim" userId="3399f650-dab7-4c51-bc22-3354e7c5d919" providerId="ADAL" clId="{6085932C-096F-4A25-95AE-A8E25561503A}" dt="2025-06-12T19:51:37.719" v="7" actId="115"/>
+          <ac:spMkLst>
+            <pc:docMk/>
+            <pc:sldMk cId="2876198862" sldId="265"/>
+            <ac:spMk id="2" creationId="{E40CA60F-E955-4E4D-2795-D3A05BD20E37}"/>
+          </ac:spMkLst>
+        </pc:spChg>
+      </pc:sldChg>
+    </pc:docChg>
+  </pc:docChgLst>
   <pc:docChgLst>
     <pc:chgData name="Carina Moßbauer" userId="9b8c5ff1bd05b72c" providerId="LiveId" clId="{17DF6B2A-59CE-4467-81B8-B51C16C9AD10}"/>
     <pc:docChg chg="undo redo custSel addSld delSld modSld sldOrd">
@@ -531,7 +555,7 @@
           <a:p>
             <a:fld id="{34874171-C799-433B-A5CB-12CAE198F917}" type="datetimeFigureOut">
               <a:rPr lang="de-AT" smtClean="0"/>
-              <a:t>11.06.2025</a:t>
+              <a:t>12.06.2025</a:t>
             </a:fld>
             <a:endParaRPr lang="de-AT"/>
           </a:p>
@@ -731,7 +755,7 @@
           <a:p>
             <a:fld id="{34874171-C799-433B-A5CB-12CAE198F917}" type="datetimeFigureOut">
               <a:rPr lang="de-AT" smtClean="0"/>
-              <a:t>11.06.2025</a:t>
+              <a:t>12.06.2025</a:t>
             </a:fld>
             <a:endParaRPr lang="de-AT"/>
           </a:p>
@@ -941,7 +965,7 @@
           <a:p>
             <a:fld id="{34874171-C799-433B-A5CB-12CAE198F917}" type="datetimeFigureOut">
               <a:rPr lang="de-AT" smtClean="0"/>
-              <a:t>11.06.2025</a:t>
+              <a:t>12.06.2025</a:t>
             </a:fld>
             <a:endParaRPr lang="de-AT"/>
           </a:p>
@@ -1141,7 +1165,7 @@
           <a:p>
             <a:fld id="{34874171-C799-433B-A5CB-12CAE198F917}" type="datetimeFigureOut">
               <a:rPr lang="de-AT" smtClean="0"/>
-              <a:t>11.06.2025</a:t>
+              <a:t>12.06.2025</a:t>
             </a:fld>
             <a:endParaRPr lang="de-AT"/>
           </a:p>
@@ -1417,7 +1441,7 @@
           <a:p>
             <a:fld id="{34874171-C799-433B-A5CB-12CAE198F917}" type="datetimeFigureOut">
               <a:rPr lang="de-AT" smtClean="0"/>
-              <a:t>11.06.2025</a:t>
+              <a:t>12.06.2025</a:t>
             </a:fld>
             <a:endParaRPr lang="de-AT"/>
           </a:p>
@@ -1685,7 +1709,7 @@
           <a:p>
             <a:fld id="{34874171-C799-433B-A5CB-12CAE198F917}" type="datetimeFigureOut">
               <a:rPr lang="de-AT" smtClean="0"/>
-              <a:t>11.06.2025</a:t>
+              <a:t>12.06.2025</a:t>
             </a:fld>
             <a:endParaRPr lang="de-AT"/>
           </a:p>
@@ -2100,7 +2124,7 @@
           <a:p>
             <a:fld id="{34874171-C799-433B-A5CB-12CAE198F917}" type="datetimeFigureOut">
               <a:rPr lang="de-AT" smtClean="0"/>
-              <a:t>11.06.2025</a:t>
+              <a:t>12.06.2025</a:t>
             </a:fld>
             <a:endParaRPr lang="de-AT"/>
           </a:p>
@@ -2242,7 +2266,7 @@
           <a:p>
             <a:fld id="{34874171-C799-433B-A5CB-12CAE198F917}" type="datetimeFigureOut">
               <a:rPr lang="de-AT" smtClean="0"/>
-              <a:t>11.06.2025</a:t>
+              <a:t>12.06.2025</a:t>
             </a:fld>
             <a:endParaRPr lang="de-AT"/>
           </a:p>
@@ -2355,7 +2379,7 @@
           <a:p>
             <a:fld id="{34874171-C799-433B-A5CB-12CAE198F917}" type="datetimeFigureOut">
               <a:rPr lang="de-AT" smtClean="0"/>
-              <a:t>11.06.2025</a:t>
+              <a:t>12.06.2025</a:t>
             </a:fld>
             <a:endParaRPr lang="de-AT"/>
           </a:p>
@@ -2668,7 +2692,7 @@
           <a:p>
             <a:fld id="{34874171-C799-433B-A5CB-12CAE198F917}" type="datetimeFigureOut">
               <a:rPr lang="de-AT" smtClean="0"/>
-              <a:t>11.06.2025</a:t>
+              <a:t>12.06.2025</a:t>
             </a:fld>
             <a:endParaRPr lang="de-AT"/>
           </a:p>
@@ -2957,7 +2981,7 @@
           <a:p>
             <a:fld id="{34874171-C799-433B-A5CB-12CAE198F917}" type="datetimeFigureOut">
               <a:rPr lang="de-AT" smtClean="0"/>
-              <a:t>11.06.2025</a:t>
+              <a:t>12.06.2025</a:t>
             </a:fld>
             <a:endParaRPr lang="de-AT"/>
           </a:p>
@@ -3200,7 +3224,7 @@
           <a:p>
             <a:fld id="{34874171-C799-433B-A5CB-12CAE198F917}" type="datetimeFigureOut">
               <a:rPr lang="de-AT" smtClean="0"/>
-              <a:t>11.06.2025</a:t>
+              <a:t>12.06.2025</a:t>
             </a:fld>
             <a:endParaRPr lang="de-AT"/>
           </a:p>
@@ -4577,13 +4601,28 @@
           </a:xfrm>
         </p:spPr>
         <p:txBody>
-          <a:bodyPr/>
+          <a:bodyPr>
+            <a:normAutofit/>
+          </a:bodyPr>
           <a:lstStyle/>
           <a:p>
             <a:r>
               <a:rPr lang="de-AT" dirty="0"/>
-              <a:t>Live-Demo</a:t>
-            </a:r>
+              <a:t>Live-Demo </a:t>
+            </a:r>
+            <a:r>
+              <a:rPr lang="de-AT" dirty="0" err="1">
+                <a:hlinkClick r:id="rId2">
+                  <a:extLst>
+                    <a:ext uri="{A12FA001-AC4F-418D-AE19-62706E023703}">
+                      <ahyp:hlinkClr xmlns:ahyp="http://schemas.microsoft.com/office/drawing/2018/hyperlinkcolor" val="tx"/>
+                    </a:ext>
+                  </a:extLst>
+                </a:hlinkClick>
+              </a:rPr>
+              <a:t>Lunchify</a:t>
+            </a:r>
+            <a:endParaRPr lang="de-AT" dirty="0"/>
           </a:p>
         </p:txBody>
       </p:sp>
@@ -4680,39 +4719,6 @@
             <a:extLst>
               <a:ext uri="{FF2B5EF4-FFF2-40B4-BE49-F238E27FC236}">
                 <a16:creationId xmlns:a16="http://schemas.microsoft.com/office/drawing/2014/main" id="{09F9F3AF-82A9-B99E-2E17-7DE55E15E341}"/>
-              </a:ext>
-            </a:extLst>
-          </p:cNvPr>
-          <p:cNvPicPr>
-            <a:picLocks noChangeAspect="1"/>
-          </p:cNvPicPr>
-          <p:nvPr/>
-        </p:nvPicPr>
-        <p:blipFill>
-          <a:blip r:embed="rId2">
-            <a:alphaModFix/>
-          </a:blip>
-          <a:srcRect l="69026" t="727" r="14432" b="20871"/>
-          <a:stretch>
-            <a:fillRect/>
-          </a:stretch>
-        </p:blipFill>
-        <p:spPr>
-          <a:xfrm>
-            <a:off x="0" y="0"/>
-            <a:ext cx="1284724" cy="3449638"/>
-          </a:xfrm>
-          <a:prstGeom prst="rect">
-            <a:avLst/>
-          </a:prstGeom>
-        </p:spPr>
-      </p:pic>
-      <p:pic>
-        <p:nvPicPr>
-          <p:cNvPr id="5" name="Grafik 4">
-            <a:extLst>
-              <a:ext uri="{FF2B5EF4-FFF2-40B4-BE49-F238E27FC236}">
-                <a16:creationId xmlns:a16="http://schemas.microsoft.com/office/drawing/2014/main" id="{6A61E12C-3D9E-8BF4-70B6-70272001C410}"/>
               </a:ext>
             </a:extLst>
           </p:cNvPr>
@@ -4725,30 +4731,27 @@
           <a:blip r:embed="rId3">
             <a:alphaModFix/>
           </a:blip>
-          <a:srcRect l="61985" r="21497"/>
+          <a:srcRect l="69026" t="727" r="14432" b="20871"/>
           <a:stretch>
             <a:fillRect/>
           </a:stretch>
         </p:blipFill>
         <p:spPr>
           <a:xfrm>
-            <a:off x="0" y="3475761"/>
-            <a:ext cx="1284723" cy="3382239"/>
+            <a:off x="0" y="0"/>
+            <a:ext cx="1284724" cy="3449638"/>
           </a:xfrm>
           <a:prstGeom prst="rect">
             <a:avLst/>
           </a:prstGeom>
-          <a:ln w="12700">
-            <a:noFill/>
-          </a:ln>
         </p:spPr>
       </p:pic>
       <p:pic>
         <p:nvPicPr>
-          <p:cNvPr id="6" name="Grafik 5" descr="Ein Bild, das Grafiken, Grafikdesign, Logo, Text enthält.&#10;&#10;KI-generierte Inhalte können fehlerhaft sein.">
-            <a:extLst>
-              <a:ext uri="{FF2B5EF4-FFF2-40B4-BE49-F238E27FC236}">
-                <a16:creationId xmlns:a16="http://schemas.microsoft.com/office/drawing/2014/main" id="{098EEA04-8133-293B-D1FB-5D135C69C328}"/>
+          <p:cNvPr id="5" name="Grafik 4">
+            <a:extLst>
+              <a:ext uri="{FF2B5EF4-FFF2-40B4-BE49-F238E27FC236}">
+                <a16:creationId xmlns:a16="http://schemas.microsoft.com/office/drawing/2014/main" id="{6A61E12C-3D9E-8BF4-70B6-70272001C410}"/>
               </a:ext>
             </a:extLst>
           </p:cNvPr>
@@ -4759,10 +4762,46 @@
         </p:nvPicPr>
         <p:blipFill>
           <a:blip r:embed="rId4">
+            <a:alphaModFix/>
+          </a:blip>
+          <a:srcRect l="61985" r="21497"/>
+          <a:stretch>
+            <a:fillRect/>
+          </a:stretch>
+        </p:blipFill>
+        <p:spPr>
+          <a:xfrm>
+            <a:off x="0" y="3475761"/>
+            <a:ext cx="1284723" cy="3382239"/>
+          </a:xfrm>
+          <a:prstGeom prst="rect">
+            <a:avLst/>
+          </a:prstGeom>
+          <a:ln w="12700">
+            <a:noFill/>
+          </a:ln>
+        </p:spPr>
+      </p:pic>
+      <p:pic>
+        <p:nvPicPr>
+          <p:cNvPr id="6" name="Grafik 5" descr="Ein Bild, das Grafiken, Grafikdesign, Logo, Text enthält.&#10;&#10;KI-generierte Inhalte können fehlerhaft sein.">
+            <a:extLst>
+              <a:ext uri="{FF2B5EF4-FFF2-40B4-BE49-F238E27FC236}">
+                <a16:creationId xmlns:a16="http://schemas.microsoft.com/office/drawing/2014/main" id="{098EEA04-8133-293B-D1FB-5D135C69C328}"/>
+              </a:ext>
+            </a:extLst>
+          </p:cNvPr>
+          <p:cNvPicPr>
+            <a:picLocks noChangeAspect="1"/>
+          </p:cNvPicPr>
+          <p:nvPr/>
+        </p:nvPicPr>
+        <p:blipFill>
+          <a:blip r:embed="rId5">
             <a:extLst>
               <a:ext uri="{BEBA8EAE-BF5A-486C-A8C5-ECC9F3942E4B}">
                 <a14:imgProps xmlns:a14="http://schemas.microsoft.com/office/drawing/2010/main">
-                  <a14:imgLayer r:embed="rId5">
+                  <a14:imgLayer r:embed="rId6">
                     <a14:imgEffect>
                       <a14:backgroundRemoval t="9046" b="89967" l="10000" r="90000">
                         <a14:foregroundMark x1="51111" y1="9046" x2="51111" y2="9046"/>
